--- a/ppt 16-9/0783.主在我们的中.pptx
+++ b/ppt 16-9/0783.主在我们的中.pptx
@@ -5,7 +5,7 @@
     <p:sldMasterId id="2147483648" r:id="rId1"/>
   </p:sldMasterIdLst>
   <p:sldIdLst>
-    <p:sldId id="2046" r:id="rId2"/>
+    <p:sldId id="2048" r:id="rId2"/>
   </p:sldIdLst>
   <p:sldSz cx="12192000" cy="6858000"/>
   <p:notesSz cx="6858000" cy="9144000"/>
@@ -129,7 +129,7 @@
           <p:cNvPr id="2" name="标题 1">
             <a:extLst>
               <a:ext uri="{FF2B5EF4-FFF2-40B4-BE49-F238E27FC236}">
-                <a16:creationId xmlns:a16="http://schemas.microsoft.com/office/drawing/2014/main" id="{09DECDBC-1317-976B-4970-17E270EB47BC}"/>
+                <a16:creationId xmlns:a16="http://schemas.microsoft.com/office/drawing/2014/main" id="{C58BDC3F-F4DF-455C-FA4B-D8D00DDDDD3F}"/>
               </a:ext>
             </a:extLst>
           </p:cNvPr>
@@ -166,7 +166,7 @@
           <p:cNvPr id="3" name="副标题 2">
             <a:extLst>
               <a:ext uri="{FF2B5EF4-FFF2-40B4-BE49-F238E27FC236}">
-                <a16:creationId xmlns:a16="http://schemas.microsoft.com/office/drawing/2014/main" id="{3F9EF97D-BE7D-B2FC-75BA-A306A848BAD7}"/>
+                <a16:creationId xmlns:a16="http://schemas.microsoft.com/office/drawing/2014/main" id="{3E23D333-6BAE-99B0-1450-AAB1D7EB01F5}"/>
               </a:ext>
             </a:extLst>
           </p:cNvPr>
@@ -236,7 +236,7 @@
           <p:cNvPr id="4" name="日期占位符 3">
             <a:extLst>
               <a:ext uri="{FF2B5EF4-FFF2-40B4-BE49-F238E27FC236}">
-                <a16:creationId xmlns:a16="http://schemas.microsoft.com/office/drawing/2014/main" id="{836AAF7A-B192-1D1E-3E14-9AF4E44F30B0}"/>
+                <a16:creationId xmlns:a16="http://schemas.microsoft.com/office/drawing/2014/main" id="{83309F41-E373-ACCB-142F-DA9A0B8E809B}"/>
               </a:ext>
             </a:extLst>
           </p:cNvPr>
@@ -252,7 +252,7 @@
           <a:bodyPr/>
           <a:lstStyle/>
           <a:p>
-            <a:fld id="{272DFFEB-3F8B-4225-B7F4-1471233721B2}" type="datetimeFigureOut">
+            <a:fld id="{A3A0A641-5FB8-4737-99B6-F289368CBB9D}" type="datetimeFigureOut">
               <a:rPr lang="zh-CN" altLang="en-US" smtClean="0"/>
               <a:t>2024/3/10</a:t>
             </a:fld>
@@ -265,7 +265,7 @@
           <p:cNvPr id="5" name="页脚占位符 4">
             <a:extLst>
               <a:ext uri="{FF2B5EF4-FFF2-40B4-BE49-F238E27FC236}">
-                <a16:creationId xmlns:a16="http://schemas.microsoft.com/office/drawing/2014/main" id="{CD15CF4F-49C6-F6A4-0C23-F5521F4134B8}"/>
+                <a16:creationId xmlns:a16="http://schemas.microsoft.com/office/drawing/2014/main" id="{0FBB7225-A039-6752-EEC2-A63AE0CCC8D5}"/>
               </a:ext>
             </a:extLst>
           </p:cNvPr>
@@ -290,7 +290,7 @@
           <p:cNvPr id="6" name="灯片编号占位符 5">
             <a:extLst>
               <a:ext uri="{FF2B5EF4-FFF2-40B4-BE49-F238E27FC236}">
-                <a16:creationId xmlns:a16="http://schemas.microsoft.com/office/drawing/2014/main" id="{A7283A1C-834C-610D-04F6-11C0D997783D}"/>
+                <a16:creationId xmlns:a16="http://schemas.microsoft.com/office/drawing/2014/main" id="{9E1DBF8E-F0F0-1B3F-06A2-0E92FBD7F42D}"/>
               </a:ext>
             </a:extLst>
           </p:cNvPr>
@@ -306,7 +306,7 @@
           <a:bodyPr/>
           <a:lstStyle/>
           <a:p>
-            <a:fld id="{E0AD87CE-FB21-4D50-8262-882A9FC8D831}" type="slidenum">
+            <a:fld id="{B0783FCD-EB16-43B4-97B0-95E8552043B4}" type="slidenum">
               <a:rPr lang="zh-CN" altLang="en-US" smtClean="0"/>
               <a:t>‹#›</a:t>
             </a:fld>
@@ -317,7 +317,7 @@
     </p:spTree>
     <p:extLst>
       <p:ext uri="{BB962C8B-B14F-4D97-AF65-F5344CB8AC3E}">
-        <p14:creationId xmlns:p14="http://schemas.microsoft.com/office/powerpoint/2010/main" val="1371439230"/>
+        <p14:creationId xmlns:p14="http://schemas.microsoft.com/office/powerpoint/2010/main" val="2290309454"/>
       </p:ext>
     </p:extLst>
   </p:cSld>
@@ -349,7 +349,7 @@
           <p:cNvPr id="2" name="标题 1">
             <a:extLst>
               <a:ext uri="{FF2B5EF4-FFF2-40B4-BE49-F238E27FC236}">
-                <a16:creationId xmlns:a16="http://schemas.microsoft.com/office/drawing/2014/main" id="{25166351-BB70-D92E-CAA8-7988FFF74E9A}"/>
+                <a16:creationId xmlns:a16="http://schemas.microsoft.com/office/drawing/2014/main" id="{1644ED1C-24B8-DBC1-DF95-CF6FA7FF5C2B}"/>
               </a:ext>
             </a:extLst>
           </p:cNvPr>
@@ -377,7 +377,7 @@
           <p:cNvPr id="3" name="竖排文字占位符 2">
             <a:extLst>
               <a:ext uri="{FF2B5EF4-FFF2-40B4-BE49-F238E27FC236}">
-                <a16:creationId xmlns:a16="http://schemas.microsoft.com/office/drawing/2014/main" id="{41BD2C93-DA11-0960-1D62-E1DFA0ED075C}"/>
+                <a16:creationId xmlns:a16="http://schemas.microsoft.com/office/drawing/2014/main" id="{E2838E75-F673-CC27-35C7-BC69911869F7}"/>
               </a:ext>
             </a:extLst>
           </p:cNvPr>
@@ -434,7 +434,7 @@
           <p:cNvPr id="4" name="日期占位符 3">
             <a:extLst>
               <a:ext uri="{FF2B5EF4-FFF2-40B4-BE49-F238E27FC236}">
-                <a16:creationId xmlns:a16="http://schemas.microsoft.com/office/drawing/2014/main" id="{5ECB29C2-BF99-2282-28F0-D82944291585}"/>
+                <a16:creationId xmlns:a16="http://schemas.microsoft.com/office/drawing/2014/main" id="{E64E7578-1543-042E-F70C-643A44899442}"/>
               </a:ext>
             </a:extLst>
           </p:cNvPr>
@@ -450,7 +450,7 @@
           <a:bodyPr/>
           <a:lstStyle/>
           <a:p>
-            <a:fld id="{272DFFEB-3F8B-4225-B7F4-1471233721B2}" type="datetimeFigureOut">
+            <a:fld id="{A3A0A641-5FB8-4737-99B6-F289368CBB9D}" type="datetimeFigureOut">
               <a:rPr lang="zh-CN" altLang="en-US" smtClean="0"/>
               <a:t>2024/3/10</a:t>
             </a:fld>
@@ -463,7 +463,7 @@
           <p:cNvPr id="5" name="页脚占位符 4">
             <a:extLst>
               <a:ext uri="{FF2B5EF4-FFF2-40B4-BE49-F238E27FC236}">
-                <a16:creationId xmlns:a16="http://schemas.microsoft.com/office/drawing/2014/main" id="{CD6C62BC-A220-14A1-91C3-33B673EB5044}"/>
+                <a16:creationId xmlns:a16="http://schemas.microsoft.com/office/drawing/2014/main" id="{C1B41AD3-F272-8AE9-318C-4751D968B4A4}"/>
               </a:ext>
             </a:extLst>
           </p:cNvPr>
@@ -488,7 +488,7 @@
           <p:cNvPr id="6" name="灯片编号占位符 5">
             <a:extLst>
               <a:ext uri="{FF2B5EF4-FFF2-40B4-BE49-F238E27FC236}">
-                <a16:creationId xmlns:a16="http://schemas.microsoft.com/office/drawing/2014/main" id="{174BAEAE-059C-CF63-9D07-F129B7C0A0F5}"/>
+                <a16:creationId xmlns:a16="http://schemas.microsoft.com/office/drawing/2014/main" id="{BD38F348-65DC-EDD3-4DF3-9D14BF6DD99A}"/>
               </a:ext>
             </a:extLst>
           </p:cNvPr>
@@ -504,7 +504,7 @@
           <a:bodyPr/>
           <a:lstStyle/>
           <a:p>
-            <a:fld id="{E0AD87CE-FB21-4D50-8262-882A9FC8D831}" type="slidenum">
+            <a:fld id="{B0783FCD-EB16-43B4-97B0-95E8552043B4}" type="slidenum">
               <a:rPr lang="zh-CN" altLang="en-US" smtClean="0"/>
               <a:t>‹#›</a:t>
             </a:fld>
@@ -515,7 +515,7 @@
     </p:spTree>
     <p:extLst>
       <p:ext uri="{BB962C8B-B14F-4D97-AF65-F5344CB8AC3E}">
-        <p14:creationId xmlns:p14="http://schemas.microsoft.com/office/powerpoint/2010/main" val="702909120"/>
+        <p14:creationId xmlns:p14="http://schemas.microsoft.com/office/powerpoint/2010/main" val="1629046160"/>
       </p:ext>
     </p:extLst>
   </p:cSld>
@@ -547,7 +547,7 @@
           <p:cNvPr id="2" name="竖排标题 1">
             <a:extLst>
               <a:ext uri="{FF2B5EF4-FFF2-40B4-BE49-F238E27FC236}">
-                <a16:creationId xmlns:a16="http://schemas.microsoft.com/office/drawing/2014/main" id="{E924D401-3AC8-69E9-6C21-B1CC82C00741}"/>
+                <a16:creationId xmlns:a16="http://schemas.microsoft.com/office/drawing/2014/main" id="{3C49C31F-0886-F949-04D5-7544ED454CA4}"/>
               </a:ext>
             </a:extLst>
           </p:cNvPr>
@@ -580,7 +580,7 @@
           <p:cNvPr id="3" name="竖排文字占位符 2">
             <a:extLst>
               <a:ext uri="{FF2B5EF4-FFF2-40B4-BE49-F238E27FC236}">
-                <a16:creationId xmlns:a16="http://schemas.microsoft.com/office/drawing/2014/main" id="{6545FAB5-C195-F7EC-F57A-EADB6D8F65B3}"/>
+                <a16:creationId xmlns:a16="http://schemas.microsoft.com/office/drawing/2014/main" id="{88B09685-28D1-18E7-499C-8CDCB52E49DF}"/>
               </a:ext>
             </a:extLst>
           </p:cNvPr>
@@ -642,7 +642,7 @@
           <p:cNvPr id="4" name="日期占位符 3">
             <a:extLst>
               <a:ext uri="{FF2B5EF4-FFF2-40B4-BE49-F238E27FC236}">
-                <a16:creationId xmlns:a16="http://schemas.microsoft.com/office/drawing/2014/main" id="{D21EC8C4-4D82-B82E-5308-141DE2A52EDC}"/>
+                <a16:creationId xmlns:a16="http://schemas.microsoft.com/office/drawing/2014/main" id="{B29ED98F-8D00-DD06-CA84-DE223629A205}"/>
               </a:ext>
             </a:extLst>
           </p:cNvPr>
@@ -658,7 +658,7 @@
           <a:bodyPr/>
           <a:lstStyle/>
           <a:p>
-            <a:fld id="{272DFFEB-3F8B-4225-B7F4-1471233721B2}" type="datetimeFigureOut">
+            <a:fld id="{A3A0A641-5FB8-4737-99B6-F289368CBB9D}" type="datetimeFigureOut">
               <a:rPr lang="zh-CN" altLang="en-US" smtClean="0"/>
               <a:t>2024/3/10</a:t>
             </a:fld>
@@ -671,7 +671,7 @@
           <p:cNvPr id="5" name="页脚占位符 4">
             <a:extLst>
               <a:ext uri="{FF2B5EF4-FFF2-40B4-BE49-F238E27FC236}">
-                <a16:creationId xmlns:a16="http://schemas.microsoft.com/office/drawing/2014/main" id="{71C8C041-37AF-F4AE-044B-F71001C9F1B6}"/>
+                <a16:creationId xmlns:a16="http://schemas.microsoft.com/office/drawing/2014/main" id="{8721F766-EE8A-551A-DF32-1BFC4CBC271C}"/>
               </a:ext>
             </a:extLst>
           </p:cNvPr>
@@ -696,7 +696,7 @@
           <p:cNvPr id="6" name="灯片编号占位符 5">
             <a:extLst>
               <a:ext uri="{FF2B5EF4-FFF2-40B4-BE49-F238E27FC236}">
-                <a16:creationId xmlns:a16="http://schemas.microsoft.com/office/drawing/2014/main" id="{AEECC94E-074F-32E4-244A-49CB5E975E9A}"/>
+                <a16:creationId xmlns:a16="http://schemas.microsoft.com/office/drawing/2014/main" id="{ACB93930-DD6E-7B8C-4633-B1FF4A54AE13}"/>
               </a:ext>
             </a:extLst>
           </p:cNvPr>
@@ -712,7 +712,7 @@
           <a:bodyPr/>
           <a:lstStyle/>
           <a:p>
-            <a:fld id="{E0AD87CE-FB21-4D50-8262-882A9FC8D831}" type="slidenum">
+            <a:fld id="{B0783FCD-EB16-43B4-97B0-95E8552043B4}" type="slidenum">
               <a:rPr lang="zh-CN" altLang="en-US" smtClean="0"/>
               <a:t>‹#›</a:t>
             </a:fld>
@@ -723,7 +723,7 @@
     </p:spTree>
     <p:extLst>
       <p:ext uri="{BB962C8B-B14F-4D97-AF65-F5344CB8AC3E}">
-        <p14:creationId xmlns:p14="http://schemas.microsoft.com/office/powerpoint/2010/main" val="3930513779"/>
+        <p14:creationId xmlns:p14="http://schemas.microsoft.com/office/powerpoint/2010/main" val="361596219"/>
       </p:ext>
     </p:extLst>
   </p:cSld>
@@ -755,7 +755,7 @@
           <p:cNvPr id="2" name="标题 1">
             <a:extLst>
               <a:ext uri="{FF2B5EF4-FFF2-40B4-BE49-F238E27FC236}">
-                <a16:creationId xmlns:a16="http://schemas.microsoft.com/office/drawing/2014/main" id="{AF795EE6-839F-9082-01E8-E466EBFD946A}"/>
+                <a16:creationId xmlns:a16="http://schemas.microsoft.com/office/drawing/2014/main" id="{D193D18E-0952-9DE4-881A-F89D6AEF87A3}"/>
               </a:ext>
             </a:extLst>
           </p:cNvPr>
@@ -783,7 +783,7 @@
           <p:cNvPr id="3" name="内容占位符 2">
             <a:extLst>
               <a:ext uri="{FF2B5EF4-FFF2-40B4-BE49-F238E27FC236}">
-                <a16:creationId xmlns:a16="http://schemas.microsoft.com/office/drawing/2014/main" id="{FAFC78CA-E357-971B-A81D-CE78409DE1F4}"/>
+                <a16:creationId xmlns:a16="http://schemas.microsoft.com/office/drawing/2014/main" id="{FF97BB4C-9A61-3942-A9E0-48F04E6477B9}"/>
               </a:ext>
             </a:extLst>
           </p:cNvPr>
@@ -840,7 +840,7 @@
           <p:cNvPr id="4" name="日期占位符 3">
             <a:extLst>
               <a:ext uri="{FF2B5EF4-FFF2-40B4-BE49-F238E27FC236}">
-                <a16:creationId xmlns:a16="http://schemas.microsoft.com/office/drawing/2014/main" id="{61B68A0A-6736-FE4E-95CE-B09D18054E24}"/>
+                <a16:creationId xmlns:a16="http://schemas.microsoft.com/office/drawing/2014/main" id="{0BCC18C0-F787-B57E-0299-8FFFE678F7C0}"/>
               </a:ext>
             </a:extLst>
           </p:cNvPr>
@@ -856,7 +856,7 @@
           <a:bodyPr/>
           <a:lstStyle/>
           <a:p>
-            <a:fld id="{272DFFEB-3F8B-4225-B7F4-1471233721B2}" type="datetimeFigureOut">
+            <a:fld id="{A3A0A641-5FB8-4737-99B6-F289368CBB9D}" type="datetimeFigureOut">
               <a:rPr lang="zh-CN" altLang="en-US" smtClean="0"/>
               <a:t>2024/3/10</a:t>
             </a:fld>
@@ -869,7 +869,7 @@
           <p:cNvPr id="5" name="页脚占位符 4">
             <a:extLst>
               <a:ext uri="{FF2B5EF4-FFF2-40B4-BE49-F238E27FC236}">
-                <a16:creationId xmlns:a16="http://schemas.microsoft.com/office/drawing/2014/main" id="{DDA40931-3978-76D0-5C0C-5DFD6B5C9E2F}"/>
+                <a16:creationId xmlns:a16="http://schemas.microsoft.com/office/drawing/2014/main" id="{5EF10AFA-E75F-94AB-14A3-AB005AD7C1A6}"/>
               </a:ext>
             </a:extLst>
           </p:cNvPr>
@@ -894,7 +894,7 @@
           <p:cNvPr id="6" name="灯片编号占位符 5">
             <a:extLst>
               <a:ext uri="{FF2B5EF4-FFF2-40B4-BE49-F238E27FC236}">
-                <a16:creationId xmlns:a16="http://schemas.microsoft.com/office/drawing/2014/main" id="{786E758B-0A39-9965-C366-D50597E9F164}"/>
+                <a16:creationId xmlns:a16="http://schemas.microsoft.com/office/drawing/2014/main" id="{36BF7DCE-6952-41B3-6A11-7E6EA01295A3}"/>
               </a:ext>
             </a:extLst>
           </p:cNvPr>
@@ -910,7 +910,7 @@
           <a:bodyPr/>
           <a:lstStyle/>
           <a:p>
-            <a:fld id="{E0AD87CE-FB21-4D50-8262-882A9FC8D831}" type="slidenum">
+            <a:fld id="{B0783FCD-EB16-43B4-97B0-95E8552043B4}" type="slidenum">
               <a:rPr lang="zh-CN" altLang="en-US" smtClean="0"/>
               <a:t>‹#›</a:t>
             </a:fld>
@@ -921,7 +921,7 @@
     </p:spTree>
     <p:extLst>
       <p:ext uri="{BB962C8B-B14F-4D97-AF65-F5344CB8AC3E}">
-        <p14:creationId xmlns:p14="http://schemas.microsoft.com/office/powerpoint/2010/main" val="1616546452"/>
+        <p14:creationId xmlns:p14="http://schemas.microsoft.com/office/powerpoint/2010/main" val="1575653337"/>
       </p:ext>
     </p:extLst>
   </p:cSld>
@@ -953,7 +953,7 @@
           <p:cNvPr id="2" name="标题 1">
             <a:extLst>
               <a:ext uri="{FF2B5EF4-FFF2-40B4-BE49-F238E27FC236}">
-                <a16:creationId xmlns:a16="http://schemas.microsoft.com/office/drawing/2014/main" id="{3267263C-C254-A2AD-BC1D-86B3B0074167}"/>
+                <a16:creationId xmlns:a16="http://schemas.microsoft.com/office/drawing/2014/main" id="{E09AAD5B-18C7-AC80-0329-FC3601C8AC79}"/>
               </a:ext>
             </a:extLst>
           </p:cNvPr>
@@ -990,7 +990,7 @@
           <p:cNvPr id="3" name="文本占位符 2">
             <a:extLst>
               <a:ext uri="{FF2B5EF4-FFF2-40B4-BE49-F238E27FC236}">
-                <a16:creationId xmlns:a16="http://schemas.microsoft.com/office/drawing/2014/main" id="{20FC100B-0F9E-1A35-B411-160C42AFB8E3}"/>
+                <a16:creationId xmlns:a16="http://schemas.microsoft.com/office/drawing/2014/main" id="{240ECA72-0F98-8E65-BA65-17D3DB58669A}"/>
               </a:ext>
             </a:extLst>
           </p:cNvPr>
@@ -1115,7 +1115,7 @@
           <p:cNvPr id="4" name="日期占位符 3">
             <a:extLst>
               <a:ext uri="{FF2B5EF4-FFF2-40B4-BE49-F238E27FC236}">
-                <a16:creationId xmlns:a16="http://schemas.microsoft.com/office/drawing/2014/main" id="{2D53450E-0EC8-9BD3-B32D-FC00C8D2F8F2}"/>
+                <a16:creationId xmlns:a16="http://schemas.microsoft.com/office/drawing/2014/main" id="{A9C8C776-FA87-9C84-49E7-99C7DC32B81C}"/>
               </a:ext>
             </a:extLst>
           </p:cNvPr>
@@ -1131,7 +1131,7 @@
           <a:bodyPr/>
           <a:lstStyle/>
           <a:p>
-            <a:fld id="{272DFFEB-3F8B-4225-B7F4-1471233721B2}" type="datetimeFigureOut">
+            <a:fld id="{A3A0A641-5FB8-4737-99B6-F289368CBB9D}" type="datetimeFigureOut">
               <a:rPr lang="zh-CN" altLang="en-US" smtClean="0"/>
               <a:t>2024/3/10</a:t>
             </a:fld>
@@ -1144,7 +1144,7 @@
           <p:cNvPr id="5" name="页脚占位符 4">
             <a:extLst>
               <a:ext uri="{FF2B5EF4-FFF2-40B4-BE49-F238E27FC236}">
-                <a16:creationId xmlns:a16="http://schemas.microsoft.com/office/drawing/2014/main" id="{9DD846D3-0950-AD90-01DB-7883406443CD}"/>
+                <a16:creationId xmlns:a16="http://schemas.microsoft.com/office/drawing/2014/main" id="{5204246D-2BF2-8F42-438F-0D29758FD835}"/>
               </a:ext>
             </a:extLst>
           </p:cNvPr>
@@ -1169,7 +1169,7 @@
           <p:cNvPr id="6" name="灯片编号占位符 5">
             <a:extLst>
               <a:ext uri="{FF2B5EF4-FFF2-40B4-BE49-F238E27FC236}">
-                <a16:creationId xmlns:a16="http://schemas.microsoft.com/office/drawing/2014/main" id="{E4B8D57E-E2C5-D88A-CAAC-67FF46954EE4}"/>
+                <a16:creationId xmlns:a16="http://schemas.microsoft.com/office/drawing/2014/main" id="{09BBDA68-47F4-AD9C-5B30-357118CD8728}"/>
               </a:ext>
             </a:extLst>
           </p:cNvPr>
@@ -1185,7 +1185,7 @@
           <a:bodyPr/>
           <a:lstStyle/>
           <a:p>
-            <a:fld id="{E0AD87CE-FB21-4D50-8262-882A9FC8D831}" type="slidenum">
+            <a:fld id="{B0783FCD-EB16-43B4-97B0-95E8552043B4}" type="slidenum">
               <a:rPr lang="zh-CN" altLang="en-US" smtClean="0"/>
               <a:t>‹#›</a:t>
             </a:fld>
@@ -1196,7 +1196,7 @@
     </p:spTree>
     <p:extLst>
       <p:ext uri="{BB962C8B-B14F-4D97-AF65-F5344CB8AC3E}">
-        <p14:creationId xmlns:p14="http://schemas.microsoft.com/office/powerpoint/2010/main" val="2694559730"/>
+        <p14:creationId xmlns:p14="http://schemas.microsoft.com/office/powerpoint/2010/main" val="267425908"/>
       </p:ext>
     </p:extLst>
   </p:cSld>
@@ -1228,7 +1228,7 @@
           <p:cNvPr id="2" name="标题 1">
             <a:extLst>
               <a:ext uri="{FF2B5EF4-FFF2-40B4-BE49-F238E27FC236}">
-                <a16:creationId xmlns:a16="http://schemas.microsoft.com/office/drawing/2014/main" id="{3DA915D6-8A4B-94B9-41D2-C0E2595BB309}"/>
+                <a16:creationId xmlns:a16="http://schemas.microsoft.com/office/drawing/2014/main" id="{69F6D36F-B8BD-FD44-564E-EB2304D07684}"/>
               </a:ext>
             </a:extLst>
           </p:cNvPr>
@@ -1256,7 +1256,7 @@
           <p:cNvPr id="3" name="内容占位符 2">
             <a:extLst>
               <a:ext uri="{FF2B5EF4-FFF2-40B4-BE49-F238E27FC236}">
-                <a16:creationId xmlns:a16="http://schemas.microsoft.com/office/drawing/2014/main" id="{26CAB51B-F846-49C6-8C5E-DCF7721E9873}"/>
+                <a16:creationId xmlns:a16="http://schemas.microsoft.com/office/drawing/2014/main" id="{38EC2432-D9C3-D495-F757-FC1330DB3803}"/>
               </a:ext>
             </a:extLst>
           </p:cNvPr>
@@ -1318,7 +1318,7 @@
           <p:cNvPr id="4" name="内容占位符 3">
             <a:extLst>
               <a:ext uri="{FF2B5EF4-FFF2-40B4-BE49-F238E27FC236}">
-                <a16:creationId xmlns:a16="http://schemas.microsoft.com/office/drawing/2014/main" id="{1C3122B0-DD52-17FC-7829-88111780A46B}"/>
+                <a16:creationId xmlns:a16="http://schemas.microsoft.com/office/drawing/2014/main" id="{EE22369A-B80D-802B-AA4C-C712AA784AD9}"/>
               </a:ext>
             </a:extLst>
           </p:cNvPr>
@@ -1380,7 +1380,7 @@
           <p:cNvPr id="5" name="日期占位符 4">
             <a:extLst>
               <a:ext uri="{FF2B5EF4-FFF2-40B4-BE49-F238E27FC236}">
-                <a16:creationId xmlns:a16="http://schemas.microsoft.com/office/drawing/2014/main" id="{06587CD3-BB5F-9E1A-1FC8-6E8C18789E66}"/>
+                <a16:creationId xmlns:a16="http://schemas.microsoft.com/office/drawing/2014/main" id="{150ED695-D7FE-21D0-5A92-F36046E6B801}"/>
               </a:ext>
             </a:extLst>
           </p:cNvPr>
@@ -1396,7 +1396,7 @@
           <a:bodyPr/>
           <a:lstStyle/>
           <a:p>
-            <a:fld id="{272DFFEB-3F8B-4225-B7F4-1471233721B2}" type="datetimeFigureOut">
+            <a:fld id="{A3A0A641-5FB8-4737-99B6-F289368CBB9D}" type="datetimeFigureOut">
               <a:rPr lang="zh-CN" altLang="en-US" smtClean="0"/>
               <a:t>2024/3/10</a:t>
             </a:fld>
@@ -1409,7 +1409,7 @@
           <p:cNvPr id="6" name="页脚占位符 5">
             <a:extLst>
               <a:ext uri="{FF2B5EF4-FFF2-40B4-BE49-F238E27FC236}">
-                <a16:creationId xmlns:a16="http://schemas.microsoft.com/office/drawing/2014/main" id="{49C57226-8095-0856-85D8-C23ACC7A5B2F}"/>
+                <a16:creationId xmlns:a16="http://schemas.microsoft.com/office/drawing/2014/main" id="{DCB79A1A-39D8-C977-4051-4744F07FC9A9}"/>
               </a:ext>
             </a:extLst>
           </p:cNvPr>
@@ -1434,7 +1434,7 @@
           <p:cNvPr id="7" name="灯片编号占位符 6">
             <a:extLst>
               <a:ext uri="{FF2B5EF4-FFF2-40B4-BE49-F238E27FC236}">
-                <a16:creationId xmlns:a16="http://schemas.microsoft.com/office/drawing/2014/main" id="{9B4C402E-4F79-A53E-6852-E4A9787BF79C}"/>
+                <a16:creationId xmlns:a16="http://schemas.microsoft.com/office/drawing/2014/main" id="{EF606B62-83EC-2440-42CA-C7891DC4B826}"/>
               </a:ext>
             </a:extLst>
           </p:cNvPr>
@@ -1450,7 +1450,7 @@
           <a:bodyPr/>
           <a:lstStyle/>
           <a:p>
-            <a:fld id="{E0AD87CE-FB21-4D50-8262-882A9FC8D831}" type="slidenum">
+            <a:fld id="{B0783FCD-EB16-43B4-97B0-95E8552043B4}" type="slidenum">
               <a:rPr lang="zh-CN" altLang="en-US" smtClean="0"/>
               <a:t>‹#›</a:t>
             </a:fld>
@@ -1461,7 +1461,7 @@
     </p:spTree>
     <p:extLst>
       <p:ext uri="{BB962C8B-B14F-4D97-AF65-F5344CB8AC3E}">
-        <p14:creationId xmlns:p14="http://schemas.microsoft.com/office/powerpoint/2010/main" val="751002389"/>
+        <p14:creationId xmlns:p14="http://schemas.microsoft.com/office/powerpoint/2010/main" val="3470508083"/>
       </p:ext>
     </p:extLst>
   </p:cSld>
@@ -1493,7 +1493,7 @@
           <p:cNvPr id="2" name="标题 1">
             <a:extLst>
               <a:ext uri="{FF2B5EF4-FFF2-40B4-BE49-F238E27FC236}">
-                <a16:creationId xmlns:a16="http://schemas.microsoft.com/office/drawing/2014/main" id="{AD0BE78E-3B8F-7476-DA13-FB99BD0B772E}"/>
+                <a16:creationId xmlns:a16="http://schemas.microsoft.com/office/drawing/2014/main" id="{3007C76F-C8FB-3913-7D4F-1C2F7BD72766}"/>
               </a:ext>
             </a:extLst>
           </p:cNvPr>
@@ -1526,7 +1526,7 @@
           <p:cNvPr id="3" name="文本占位符 2">
             <a:extLst>
               <a:ext uri="{FF2B5EF4-FFF2-40B4-BE49-F238E27FC236}">
-                <a16:creationId xmlns:a16="http://schemas.microsoft.com/office/drawing/2014/main" id="{C3F4261B-8658-D7B0-7818-0CEEB15FAF1D}"/>
+                <a16:creationId xmlns:a16="http://schemas.microsoft.com/office/drawing/2014/main" id="{EA2EF868-3A2A-747B-22B4-44C8F390D1AE}"/>
               </a:ext>
             </a:extLst>
           </p:cNvPr>
@@ -1597,7 +1597,7 @@
           <p:cNvPr id="4" name="内容占位符 3">
             <a:extLst>
               <a:ext uri="{FF2B5EF4-FFF2-40B4-BE49-F238E27FC236}">
-                <a16:creationId xmlns:a16="http://schemas.microsoft.com/office/drawing/2014/main" id="{60651583-341D-792C-001B-30FF49AF9BB2}"/>
+                <a16:creationId xmlns:a16="http://schemas.microsoft.com/office/drawing/2014/main" id="{F494D7A0-D894-9962-55D8-C4C38BF9C8D6}"/>
               </a:ext>
             </a:extLst>
           </p:cNvPr>
@@ -1659,7 +1659,7 @@
           <p:cNvPr id="5" name="文本占位符 4">
             <a:extLst>
               <a:ext uri="{FF2B5EF4-FFF2-40B4-BE49-F238E27FC236}">
-                <a16:creationId xmlns:a16="http://schemas.microsoft.com/office/drawing/2014/main" id="{E77F1B60-E698-B262-7BC4-32839975439D}"/>
+                <a16:creationId xmlns:a16="http://schemas.microsoft.com/office/drawing/2014/main" id="{22837662-0D16-3571-A95F-C66D0BC7EE62}"/>
               </a:ext>
             </a:extLst>
           </p:cNvPr>
@@ -1730,7 +1730,7 @@
           <p:cNvPr id="6" name="内容占位符 5">
             <a:extLst>
               <a:ext uri="{FF2B5EF4-FFF2-40B4-BE49-F238E27FC236}">
-                <a16:creationId xmlns:a16="http://schemas.microsoft.com/office/drawing/2014/main" id="{98F9C242-021D-743B-9F31-764DBA301839}"/>
+                <a16:creationId xmlns:a16="http://schemas.microsoft.com/office/drawing/2014/main" id="{2E57D033-418C-5225-6BD6-838B0D35E837}"/>
               </a:ext>
             </a:extLst>
           </p:cNvPr>
@@ -1792,7 +1792,7 @@
           <p:cNvPr id="7" name="日期占位符 6">
             <a:extLst>
               <a:ext uri="{FF2B5EF4-FFF2-40B4-BE49-F238E27FC236}">
-                <a16:creationId xmlns:a16="http://schemas.microsoft.com/office/drawing/2014/main" id="{258CADCF-BDA5-778E-3600-3BFDBC05D632}"/>
+                <a16:creationId xmlns:a16="http://schemas.microsoft.com/office/drawing/2014/main" id="{DD3ED4FF-E976-72FD-7869-8B7890FF2891}"/>
               </a:ext>
             </a:extLst>
           </p:cNvPr>
@@ -1808,7 +1808,7 @@
           <a:bodyPr/>
           <a:lstStyle/>
           <a:p>
-            <a:fld id="{272DFFEB-3F8B-4225-B7F4-1471233721B2}" type="datetimeFigureOut">
+            <a:fld id="{A3A0A641-5FB8-4737-99B6-F289368CBB9D}" type="datetimeFigureOut">
               <a:rPr lang="zh-CN" altLang="en-US" smtClean="0"/>
               <a:t>2024/3/10</a:t>
             </a:fld>
@@ -1821,7 +1821,7 @@
           <p:cNvPr id="8" name="页脚占位符 7">
             <a:extLst>
               <a:ext uri="{FF2B5EF4-FFF2-40B4-BE49-F238E27FC236}">
-                <a16:creationId xmlns:a16="http://schemas.microsoft.com/office/drawing/2014/main" id="{DB629CB8-BD88-D93D-41ED-1C483E3E88DE}"/>
+                <a16:creationId xmlns:a16="http://schemas.microsoft.com/office/drawing/2014/main" id="{13427199-E1C9-DD28-CBD6-419682F276A7}"/>
               </a:ext>
             </a:extLst>
           </p:cNvPr>
@@ -1846,7 +1846,7 @@
           <p:cNvPr id="9" name="灯片编号占位符 8">
             <a:extLst>
               <a:ext uri="{FF2B5EF4-FFF2-40B4-BE49-F238E27FC236}">
-                <a16:creationId xmlns:a16="http://schemas.microsoft.com/office/drawing/2014/main" id="{C493E864-DC00-5C73-FEE2-38F17176A20E}"/>
+                <a16:creationId xmlns:a16="http://schemas.microsoft.com/office/drawing/2014/main" id="{C9C817D8-3147-6EBB-79A0-403E7B73889E}"/>
               </a:ext>
             </a:extLst>
           </p:cNvPr>
@@ -1862,7 +1862,7 @@
           <a:bodyPr/>
           <a:lstStyle/>
           <a:p>
-            <a:fld id="{E0AD87CE-FB21-4D50-8262-882A9FC8D831}" type="slidenum">
+            <a:fld id="{B0783FCD-EB16-43B4-97B0-95E8552043B4}" type="slidenum">
               <a:rPr lang="zh-CN" altLang="en-US" smtClean="0"/>
               <a:t>‹#›</a:t>
             </a:fld>
@@ -1873,7 +1873,7 @@
     </p:spTree>
     <p:extLst>
       <p:ext uri="{BB962C8B-B14F-4D97-AF65-F5344CB8AC3E}">
-        <p14:creationId xmlns:p14="http://schemas.microsoft.com/office/powerpoint/2010/main" val="421833517"/>
+        <p14:creationId xmlns:p14="http://schemas.microsoft.com/office/powerpoint/2010/main" val="3461569770"/>
       </p:ext>
     </p:extLst>
   </p:cSld>
@@ -1905,7 +1905,7 @@
           <p:cNvPr id="2" name="标题 1">
             <a:extLst>
               <a:ext uri="{FF2B5EF4-FFF2-40B4-BE49-F238E27FC236}">
-                <a16:creationId xmlns:a16="http://schemas.microsoft.com/office/drawing/2014/main" id="{2133041D-1851-7517-E509-9C5C117AEBA8}"/>
+                <a16:creationId xmlns:a16="http://schemas.microsoft.com/office/drawing/2014/main" id="{B5511DD8-4A28-29C9-B323-B9CD0158925F}"/>
               </a:ext>
             </a:extLst>
           </p:cNvPr>
@@ -1933,7 +1933,7 @@
           <p:cNvPr id="3" name="日期占位符 2">
             <a:extLst>
               <a:ext uri="{FF2B5EF4-FFF2-40B4-BE49-F238E27FC236}">
-                <a16:creationId xmlns:a16="http://schemas.microsoft.com/office/drawing/2014/main" id="{E8C593C3-072C-774C-EAB9-5E52CA4BB6D5}"/>
+                <a16:creationId xmlns:a16="http://schemas.microsoft.com/office/drawing/2014/main" id="{B9FE2540-863B-D50D-9940-5E2F1CC7E5B1}"/>
               </a:ext>
             </a:extLst>
           </p:cNvPr>
@@ -1949,7 +1949,7 @@
           <a:bodyPr/>
           <a:lstStyle/>
           <a:p>
-            <a:fld id="{272DFFEB-3F8B-4225-B7F4-1471233721B2}" type="datetimeFigureOut">
+            <a:fld id="{A3A0A641-5FB8-4737-99B6-F289368CBB9D}" type="datetimeFigureOut">
               <a:rPr lang="zh-CN" altLang="en-US" smtClean="0"/>
               <a:t>2024/3/10</a:t>
             </a:fld>
@@ -1962,7 +1962,7 @@
           <p:cNvPr id="4" name="页脚占位符 3">
             <a:extLst>
               <a:ext uri="{FF2B5EF4-FFF2-40B4-BE49-F238E27FC236}">
-                <a16:creationId xmlns:a16="http://schemas.microsoft.com/office/drawing/2014/main" id="{FD964AA0-9396-00F6-41F4-B7A435BE06FE}"/>
+                <a16:creationId xmlns:a16="http://schemas.microsoft.com/office/drawing/2014/main" id="{0C030E5D-8EEF-0889-5AB3-560CE8DAA7F3}"/>
               </a:ext>
             </a:extLst>
           </p:cNvPr>
@@ -1987,7 +1987,7 @@
           <p:cNvPr id="5" name="灯片编号占位符 4">
             <a:extLst>
               <a:ext uri="{FF2B5EF4-FFF2-40B4-BE49-F238E27FC236}">
-                <a16:creationId xmlns:a16="http://schemas.microsoft.com/office/drawing/2014/main" id="{3791B300-B1EF-FACE-6CC6-72A68EF0D89F}"/>
+                <a16:creationId xmlns:a16="http://schemas.microsoft.com/office/drawing/2014/main" id="{9BAD2D79-221F-8548-5586-BF3359C72B0D}"/>
               </a:ext>
             </a:extLst>
           </p:cNvPr>
@@ -2003,7 +2003,7 @@
           <a:bodyPr/>
           <a:lstStyle/>
           <a:p>
-            <a:fld id="{E0AD87CE-FB21-4D50-8262-882A9FC8D831}" type="slidenum">
+            <a:fld id="{B0783FCD-EB16-43B4-97B0-95E8552043B4}" type="slidenum">
               <a:rPr lang="zh-CN" altLang="en-US" smtClean="0"/>
               <a:t>‹#›</a:t>
             </a:fld>
@@ -2014,7 +2014,7 @@
     </p:spTree>
     <p:extLst>
       <p:ext uri="{BB962C8B-B14F-4D97-AF65-F5344CB8AC3E}">
-        <p14:creationId xmlns:p14="http://schemas.microsoft.com/office/powerpoint/2010/main" val="3377821785"/>
+        <p14:creationId xmlns:p14="http://schemas.microsoft.com/office/powerpoint/2010/main" val="708096826"/>
       </p:ext>
     </p:extLst>
   </p:cSld>
@@ -2046,7 +2046,7 @@
           <p:cNvPr id="2" name="日期占位符 1">
             <a:extLst>
               <a:ext uri="{FF2B5EF4-FFF2-40B4-BE49-F238E27FC236}">
-                <a16:creationId xmlns:a16="http://schemas.microsoft.com/office/drawing/2014/main" id="{14B4B177-423B-E889-A917-E59C7550F701}"/>
+                <a16:creationId xmlns:a16="http://schemas.microsoft.com/office/drawing/2014/main" id="{C41A7F9A-6283-48B3-4EAD-7DFC22AC739E}"/>
               </a:ext>
             </a:extLst>
           </p:cNvPr>
@@ -2062,7 +2062,7 @@
           <a:bodyPr/>
           <a:lstStyle/>
           <a:p>
-            <a:fld id="{272DFFEB-3F8B-4225-B7F4-1471233721B2}" type="datetimeFigureOut">
+            <a:fld id="{A3A0A641-5FB8-4737-99B6-F289368CBB9D}" type="datetimeFigureOut">
               <a:rPr lang="zh-CN" altLang="en-US" smtClean="0"/>
               <a:t>2024/3/10</a:t>
             </a:fld>
@@ -2075,7 +2075,7 @@
           <p:cNvPr id="3" name="页脚占位符 2">
             <a:extLst>
               <a:ext uri="{FF2B5EF4-FFF2-40B4-BE49-F238E27FC236}">
-                <a16:creationId xmlns:a16="http://schemas.microsoft.com/office/drawing/2014/main" id="{7EC832C8-8AF0-480D-47FE-AB7B160270AE}"/>
+                <a16:creationId xmlns:a16="http://schemas.microsoft.com/office/drawing/2014/main" id="{509C0F0B-FEFA-2FF9-D4E7-804B8167AA5F}"/>
               </a:ext>
             </a:extLst>
           </p:cNvPr>
@@ -2100,7 +2100,7 @@
           <p:cNvPr id="4" name="灯片编号占位符 3">
             <a:extLst>
               <a:ext uri="{FF2B5EF4-FFF2-40B4-BE49-F238E27FC236}">
-                <a16:creationId xmlns:a16="http://schemas.microsoft.com/office/drawing/2014/main" id="{4A19E392-78D5-0DB4-34C8-6A3BD9471C9C}"/>
+                <a16:creationId xmlns:a16="http://schemas.microsoft.com/office/drawing/2014/main" id="{0457D94A-6815-E07C-4DDF-AABBAC84B78A}"/>
               </a:ext>
             </a:extLst>
           </p:cNvPr>
@@ -2116,7 +2116,7 @@
           <a:bodyPr/>
           <a:lstStyle/>
           <a:p>
-            <a:fld id="{E0AD87CE-FB21-4D50-8262-882A9FC8D831}" type="slidenum">
+            <a:fld id="{B0783FCD-EB16-43B4-97B0-95E8552043B4}" type="slidenum">
               <a:rPr lang="zh-CN" altLang="en-US" smtClean="0"/>
               <a:t>‹#›</a:t>
             </a:fld>
@@ -2127,7 +2127,7 @@
     </p:spTree>
     <p:extLst>
       <p:ext uri="{BB962C8B-B14F-4D97-AF65-F5344CB8AC3E}">
-        <p14:creationId xmlns:p14="http://schemas.microsoft.com/office/powerpoint/2010/main" val="3550797843"/>
+        <p14:creationId xmlns:p14="http://schemas.microsoft.com/office/powerpoint/2010/main" val="1926431246"/>
       </p:ext>
     </p:extLst>
   </p:cSld>
@@ -2159,7 +2159,7 @@
           <p:cNvPr id="2" name="标题 1">
             <a:extLst>
               <a:ext uri="{FF2B5EF4-FFF2-40B4-BE49-F238E27FC236}">
-                <a16:creationId xmlns:a16="http://schemas.microsoft.com/office/drawing/2014/main" id="{435E1D85-0797-32B4-CD15-1F35C941CE45}"/>
+                <a16:creationId xmlns:a16="http://schemas.microsoft.com/office/drawing/2014/main" id="{75BD8877-89B7-01C6-BD43-272B8F2251DC}"/>
               </a:ext>
             </a:extLst>
           </p:cNvPr>
@@ -2196,7 +2196,7 @@
           <p:cNvPr id="3" name="内容占位符 2">
             <a:extLst>
               <a:ext uri="{FF2B5EF4-FFF2-40B4-BE49-F238E27FC236}">
-                <a16:creationId xmlns:a16="http://schemas.microsoft.com/office/drawing/2014/main" id="{C342F348-8BC9-2166-6F9C-394B84C4DFC1}"/>
+                <a16:creationId xmlns:a16="http://schemas.microsoft.com/office/drawing/2014/main" id="{8EAF8409-77A1-EAE0-77E2-7AD266701B9A}"/>
               </a:ext>
             </a:extLst>
           </p:cNvPr>
@@ -2286,7 +2286,7 @@
           <p:cNvPr id="4" name="文本占位符 3">
             <a:extLst>
               <a:ext uri="{FF2B5EF4-FFF2-40B4-BE49-F238E27FC236}">
-                <a16:creationId xmlns:a16="http://schemas.microsoft.com/office/drawing/2014/main" id="{67F1C6F7-C3D1-BFD4-D264-ACFD0C5CA581}"/>
+                <a16:creationId xmlns:a16="http://schemas.microsoft.com/office/drawing/2014/main" id="{038DC8CB-EF29-9419-0B56-384490980A48}"/>
               </a:ext>
             </a:extLst>
           </p:cNvPr>
@@ -2357,7 +2357,7 @@
           <p:cNvPr id="5" name="日期占位符 4">
             <a:extLst>
               <a:ext uri="{FF2B5EF4-FFF2-40B4-BE49-F238E27FC236}">
-                <a16:creationId xmlns:a16="http://schemas.microsoft.com/office/drawing/2014/main" id="{6878C164-764A-06EE-CB8E-E21CDC81FCB1}"/>
+                <a16:creationId xmlns:a16="http://schemas.microsoft.com/office/drawing/2014/main" id="{6FC205AB-FE64-91C2-DB33-60175D8A05FA}"/>
               </a:ext>
             </a:extLst>
           </p:cNvPr>
@@ -2373,7 +2373,7 @@
           <a:bodyPr/>
           <a:lstStyle/>
           <a:p>
-            <a:fld id="{272DFFEB-3F8B-4225-B7F4-1471233721B2}" type="datetimeFigureOut">
+            <a:fld id="{A3A0A641-5FB8-4737-99B6-F289368CBB9D}" type="datetimeFigureOut">
               <a:rPr lang="zh-CN" altLang="en-US" smtClean="0"/>
               <a:t>2024/3/10</a:t>
             </a:fld>
@@ -2386,7 +2386,7 @@
           <p:cNvPr id="6" name="页脚占位符 5">
             <a:extLst>
               <a:ext uri="{FF2B5EF4-FFF2-40B4-BE49-F238E27FC236}">
-                <a16:creationId xmlns:a16="http://schemas.microsoft.com/office/drawing/2014/main" id="{28688DD5-0668-25C2-A975-6C4203D02639}"/>
+                <a16:creationId xmlns:a16="http://schemas.microsoft.com/office/drawing/2014/main" id="{D43AA305-1FFE-83BB-795A-4211097A82E1}"/>
               </a:ext>
             </a:extLst>
           </p:cNvPr>
@@ -2411,7 +2411,7 @@
           <p:cNvPr id="7" name="灯片编号占位符 6">
             <a:extLst>
               <a:ext uri="{FF2B5EF4-FFF2-40B4-BE49-F238E27FC236}">
-                <a16:creationId xmlns:a16="http://schemas.microsoft.com/office/drawing/2014/main" id="{0B43295F-63EC-E787-B153-203807AA00E7}"/>
+                <a16:creationId xmlns:a16="http://schemas.microsoft.com/office/drawing/2014/main" id="{33E5F920-3C22-D5F6-B631-CDC4CCBE678E}"/>
               </a:ext>
             </a:extLst>
           </p:cNvPr>
@@ -2427,7 +2427,7 @@
           <a:bodyPr/>
           <a:lstStyle/>
           <a:p>
-            <a:fld id="{E0AD87CE-FB21-4D50-8262-882A9FC8D831}" type="slidenum">
+            <a:fld id="{B0783FCD-EB16-43B4-97B0-95E8552043B4}" type="slidenum">
               <a:rPr lang="zh-CN" altLang="en-US" smtClean="0"/>
               <a:t>‹#›</a:t>
             </a:fld>
@@ -2438,7 +2438,7 @@
     </p:spTree>
     <p:extLst>
       <p:ext uri="{BB962C8B-B14F-4D97-AF65-F5344CB8AC3E}">
-        <p14:creationId xmlns:p14="http://schemas.microsoft.com/office/powerpoint/2010/main" val="258129289"/>
+        <p14:creationId xmlns:p14="http://schemas.microsoft.com/office/powerpoint/2010/main" val="1816019512"/>
       </p:ext>
     </p:extLst>
   </p:cSld>
@@ -2470,7 +2470,7 @@
           <p:cNvPr id="2" name="标题 1">
             <a:extLst>
               <a:ext uri="{FF2B5EF4-FFF2-40B4-BE49-F238E27FC236}">
-                <a16:creationId xmlns:a16="http://schemas.microsoft.com/office/drawing/2014/main" id="{3C6EA973-18DC-C9A4-88C0-5C010F380DD2}"/>
+                <a16:creationId xmlns:a16="http://schemas.microsoft.com/office/drawing/2014/main" id="{D56E646A-C6B8-49A2-3EFC-90A3A6DB47ED}"/>
               </a:ext>
             </a:extLst>
           </p:cNvPr>
@@ -2507,7 +2507,7 @@
           <p:cNvPr id="3" name="图片占位符 2">
             <a:extLst>
               <a:ext uri="{FF2B5EF4-FFF2-40B4-BE49-F238E27FC236}">
-                <a16:creationId xmlns:a16="http://schemas.microsoft.com/office/drawing/2014/main" id="{3A86D9A8-8830-4F09-A4B9-B7B0B3A2BB75}"/>
+                <a16:creationId xmlns:a16="http://schemas.microsoft.com/office/drawing/2014/main" id="{24E3CA58-9968-1230-0A2D-91927731E60B}"/>
               </a:ext>
             </a:extLst>
           </p:cNvPr>
@@ -2574,7 +2574,7 @@
           <p:cNvPr id="4" name="文本占位符 3">
             <a:extLst>
               <a:ext uri="{FF2B5EF4-FFF2-40B4-BE49-F238E27FC236}">
-                <a16:creationId xmlns:a16="http://schemas.microsoft.com/office/drawing/2014/main" id="{14502943-87D9-89DD-49BE-CB7CB2C06F20}"/>
+                <a16:creationId xmlns:a16="http://schemas.microsoft.com/office/drawing/2014/main" id="{31189E3E-73D8-2183-B514-F6069CAF3D05}"/>
               </a:ext>
             </a:extLst>
           </p:cNvPr>
@@ -2645,7 +2645,7 @@
           <p:cNvPr id="5" name="日期占位符 4">
             <a:extLst>
               <a:ext uri="{FF2B5EF4-FFF2-40B4-BE49-F238E27FC236}">
-                <a16:creationId xmlns:a16="http://schemas.microsoft.com/office/drawing/2014/main" id="{6361D24E-AA50-A9E6-5ACB-40FA1FE9D61B}"/>
+                <a16:creationId xmlns:a16="http://schemas.microsoft.com/office/drawing/2014/main" id="{EF7825AA-000B-A27E-152B-64A962F4EE15}"/>
               </a:ext>
             </a:extLst>
           </p:cNvPr>
@@ -2661,7 +2661,7 @@
           <a:bodyPr/>
           <a:lstStyle/>
           <a:p>
-            <a:fld id="{272DFFEB-3F8B-4225-B7F4-1471233721B2}" type="datetimeFigureOut">
+            <a:fld id="{A3A0A641-5FB8-4737-99B6-F289368CBB9D}" type="datetimeFigureOut">
               <a:rPr lang="zh-CN" altLang="en-US" smtClean="0"/>
               <a:t>2024/3/10</a:t>
             </a:fld>
@@ -2674,7 +2674,7 @@
           <p:cNvPr id="6" name="页脚占位符 5">
             <a:extLst>
               <a:ext uri="{FF2B5EF4-FFF2-40B4-BE49-F238E27FC236}">
-                <a16:creationId xmlns:a16="http://schemas.microsoft.com/office/drawing/2014/main" id="{5CA9977C-9B2C-691C-960D-45789FFAA50C}"/>
+                <a16:creationId xmlns:a16="http://schemas.microsoft.com/office/drawing/2014/main" id="{F158A79E-7CB4-BB5F-DA94-C46E94898541}"/>
               </a:ext>
             </a:extLst>
           </p:cNvPr>
@@ -2699,7 +2699,7 @@
           <p:cNvPr id="7" name="灯片编号占位符 6">
             <a:extLst>
               <a:ext uri="{FF2B5EF4-FFF2-40B4-BE49-F238E27FC236}">
-                <a16:creationId xmlns:a16="http://schemas.microsoft.com/office/drawing/2014/main" id="{A77C7E8A-38CF-0574-96B7-C37F64D5DB55}"/>
+                <a16:creationId xmlns:a16="http://schemas.microsoft.com/office/drawing/2014/main" id="{3DCDEFA1-1BE4-293E-084E-C46D655139E8}"/>
               </a:ext>
             </a:extLst>
           </p:cNvPr>
@@ -2715,7 +2715,7 @@
           <a:bodyPr/>
           <a:lstStyle/>
           <a:p>
-            <a:fld id="{E0AD87CE-FB21-4D50-8262-882A9FC8D831}" type="slidenum">
+            <a:fld id="{B0783FCD-EB16-43B4-97B0-95E8552043B4}" type="slidenum">
               <a:rPr lang="zh-CN" altLang="en-US" smtClean="0"/>
               <a:t>‹#›</a:t>
             </a:fld>
@@ -2726,7 +2726,7 @@
     </p:spTree>
     <p:extLst>
       <p:ext uri="{BB962C8B-B14F-4D97-AF65-F5344CB8AC3E}">
-        <p14:creationId xmlns:p14="http://schemas.microsoft.com/office/powerpoint/2010/main" val="931559225"/>
+        <p14:creationId xmlns:p14="http://schemas.microsoft.com/office/powerpoint/2010/main" val="3260793721"/>
       </p:ext>
     </p:extLst>
   </p:cSld>
@@ -2763,7 +2763,7 @@
           <p:cNvPr id="2" name="标题占位符 1">
             <a:extLst>
               <a:ext uri="{FF2B5EF4-FFF2-40B4-BE49-F238E27FC236}">
-                <a16:creationId xmlns:a16="http://schemas.microsoft.com/office/drawing/2014/main" id="{77DBEE93-6F24-BBBC-5033-CDB8B6EA7711}"/>
+                <a16:creationId xmlns:a16="http://schemas.microsoft.com/office/drawing/2014/main" id="{25E4ED7E-0529-B272-64C8-55E4C306DB72}"/>
               </a:ext>
             </a:extLst>
           </p:cNvPr>
@@ -2801,7 +2801,7 @@
           <p:cNvPr id="3" name="文本占位符 2">
             <a:extLst>
               <a:ext uri="{FF2B5EF4-FFF2-40B4-BE49-F238E27FC236}">
-                <a16:creationId xmlns:a16="http://schemas.microsoft.com/office/drawing/2014/main" id="{53286A4D-24E8-86CF-43EC-9144EF37A825}"/>
+                <a16:creationId xmlns:a16="http://schemas.microsoft.com/office/drawing/2014/main" id="{06B04943-09EC-1B04-4EA7-E998A70AF0AD}"/>
               </a:ext>
             </a:extLst>
           </p:cNvPr>
@@ -2868,7 +2868,7 @@
           <p:cNvPr id="4" name="日期占位符 3">
             <a:extLst>
               <a:ext uri="{FF2B5EF4-FFF2-40B4-BE49-F238E27FC236}">
-                <a16:creationId xmlns:a16="http://schemas.microsoft.com/office/drawing/2014/main" id="{7643F28E-A7D2-6EF6-0865-3BBBAAB91D35}"/>
+                <a16:creationId xmlns:a16="http://schemas.microsoft.com/office/drawing/2014/main" id="{77E97817-E98B-26BD-7A15-D9A91779019C}"/>
               </a:ext>
             </a:extLst>
           </p:cNvPr>
@@ -2902,7 +2902,7 @@
             </a:lvl1pPr>
           </a:lstStyle>
           <a:p>
-            <a:fld id="{272DFFEB-3F8B-4225-B7F4-1471233721B2}" type="datetimeFigureOut">
+            <a:fld id="{A3A0A641-5FB8-4737-99B6-F289368CBB9D}" type="datetimeFigureOut">
               <a:rPr lang="zh-CN" altLang="en-US" smtClean="0"/>
               <a:t>2024/3/10</a:t>
             </a:fld>
@@ -2915,7 +2915,7 @@
           <p:cNvPr id="5" name="页脚占位符 4">
             <a:extLst>
               <a:ext uri="{FF2B5EF4-FFF2-40B4-BE49-F238E27FC236}">
-                <a16:creationId xmlns:a16="http://schemas.microsoft.com/office/drawing/2014/main" id="{0FFF1803-4B0F-65BF-03DB-2EDF8AA866E7}"/>
+                <a16:creationId xmlns:a16="http://schemas.microsoft.com/office/drawing/2014/main" id="{F3ED6E5D-C588-D17A-9B18-92EDBD00B8DF}"/>
               </a:ext>
             </a:extLst>
           </p:cNvPr>
@@ -2958,7 +2958,7 @@
           <p:cNvPr id="6" name="灯片编号占位符 5">
             <a:extLst>
               <a:ext uri="{FF2B5EF4-FFF2-40B4-BE49-F238E27FC236}">
-                <a16:creationId xmlns:a16="http://schemas.microsoft.com/office/drawing/2014/main" id="{8D8D2FD4-CC2D-16F5-49E1-62F76A6821BE}"/>
+                <a16:creationId xmlns:a16="http://schemas.microsoft.com/office/drawing/2014/main" id="{7B5A97C0-0EAF-B1BC-0E17-D9352C7EF6EA}"/>
               </a:ext>
             </a:extLst>
           </p:cNvPr>
@@ -2992,7 +2992,7 @@
             </a:lvl1pPr>
           </a:lstStyle>
           <a:p>
-            <a:fld id="{E0AD87CE-FB21-4D50-8262-882A9FC8D831}" type="slidenum">
+            <a:fld id="{B0783FCD-EB16-43B4-97B0-95E8552043B4}" type="slidenum">
               <a:rPr lang="zh-CN" altLang="en-US" smtClean="0"/>
               <a:t>‹#›</a:t>
             </a:fld>
@@ -3003,7 +3003,7 @@
     </p:spTree>
     <p:extLst>
       <p:ext uri="{BB962C8B-B14F-4D97-AF65-F5344CB8AC3E}">
-        <p14:creationId xmlns:p14="http://schemas.microsoft.com/office/powerpoint/2010/main" val="1412472341"/>
+        <p14:creationId xmlns:p14="http://schemas.microsoft.com/office/powerpoint/2010/main" val="1249517893"/>
       </p:ext>
     </p:extLst>
   </p:cSld>
@@ -3323,7 +3323,7 @@
       </p:grpSpPr>
       <p:pic>
         <p:nvPicPr>
-          <p:cNvPr id="801794" name="Picture 2" descr="782"/>
+          <p:cNvPr id="802818" name="Picture 2" descr="783"/>
           <p:cNvPicPr>
             <a:picLocks noChangeAspect="1" noChangeArrowheads="1"/>
           </p:cNvPicPr>
